--- a/Rapport_PI.pptx
+++ b/Rapport_PI.pptx
@@ -259,7 +259,7 @@
           <a:p>
             <a:fld id="{07BC13A4-EA46-4AD9-B4DE-096D2F49D654}" type="datetimeFigureOut">
               <a:rPr lang="fr-FR" smtClean="0"/>
-              <a:t>18/06/2023</a:t>
+              <a:t>21/06/2023</a:t>
             </a:fld>
             <a:endParaRPr lang="fr-FR"/>
           </a:p>
@@ -457,7 +457,7 @@
           <a:p>
             <a:fld id="{07BC13A4-EA46-4AD9-B4DE-096D2F49D654}" type="datetimeFigureOut">
               <a:rPr lang="fr-FR" smtClean="0"/>
-              <a:t>18/06/2023</a:t>
+              <a:t>21/06/2023</a:t>
             </a:fld>
             <a:endParaRPr lang="fr-FR"/>
           </a:p>
@@ -665,7 +665,7 @@
           <a:p>
             <a:fld id="{07BC13A4-EA46-4AD9-B4DE-096D2F49D654}" type="datetimeFigureOut">
               <a:rPr lang="fr-FR" smtClean="0"/>
-              <a:t>18/06/2023</a:t>
+              <a:t>21/06/2023</a:t>
             </a:fld>
             <a:endParaRPr lang="fr-FR"/>
           </a:p>
@@ -863,7 +863,7 @@
           <a:p>
             <a:fld id="{07BC13A4-EA46-4AD9-B4DE-096D2F49D654}" type="datetimeFigureOut">
               <a:rPr lang="fr-FR" smtClean="0"/>
-              <a:t>18/06/2023</a:t>
+              <a:t>21/06/2023</a:t>
             </a:fld>
             <a:endParaRPr lang="fr-FR"/>
           </a:p>
@@ -1138,7 +1138,7 @@
           <a:p>
             <a:fld id="{07BC13A4-EA46-4AD9-B4DE-096D2F49D654}" type="datetimeFigureOut">
               <a:rPr lang="fr-FR" smtClean="0"/>
-              <a:t>18/06/2023</a:t>
+              <a:t>21/06/2023</a:t>
             </a:fld>
             <a:endParaRPr lang="fr-FR"/>
           </a:p>
@@ -1403,7 +1403,7 @@
           <a:p>
             <a:fld id="{07BC13A4-EA46-4AD9-B4DE-096D2F49D654}" type="datetimeFigureOut">
               <a:rPr lang="fr-FR" smtClean="0"/>
-              <a:t>18/06/2023</a:t>
+              <a:t>21/06/2023</a:t>
             </a:fld>
             <a:endParaRPr lang="fr-FR"/>
           </a:p>
@@ -1815,7 +1815,7 @@
           <a:p>
             <a:fld id="{07BC13A4-EA46-4AD9-B4DE-096D2F49D654}" type="datetimeFigureOut">
               <a:rPr lang="fr-FR" smtClean="0"/>
-              <a:t>18/06/2023</a:t>
+              <a:t>21/06/2023</a:t>
             </a:fld>
             <a:endParaRPr lang="fr-FR"/>
           </a:p>
@@ -1956,7 +1956,7 @@
           <a:p>
             <a:fld id="{07BC13A4-EA46-4AD9-B4DE-096D2F49D654}" type="datetimeFigureOut">
               <a:rPr lang="fr-FR" smtClean="0"/>
-              <a:t>18/06/2023</a:t>
+              <a:t>21/06/2023</a:t>
             </a:fld>
             <a:endParaRPr lang="fr-FR"/>
           </a:p>
@@ -2069,7 +2069,7 @@
           <a:p>
             <a:fld id="{07BC13A4-EA46-4AD9-B4DE-096D2F49D654}" type="datetimeFigureOut">
               <a:rPr lang="fr-FR" smtClean="0"/>
-              <a:t>18/06/2023</a:t>
+              <a:t>21/06/2023</a:t>
             </a:fld>
             <a:endParaRPr lang="fr-FR"/>
           </a:p>
@@ -2380,7 +2380,7 @@
           <a:p>
             <a:fld id="{07BC13A4-EA46-4AD9-B4DE-096D2F49D654}" type="datetimeFigureOut">
               <a:rPr lang="fr-FR" smtClean="0"/>
-              <a:t>18/06/2023</a:t>
+              <a:t>21/06/2023</a:t>
             </a:fld>
             <a:endParaRPr lang="fr-FR"/>
           </a:p>
@@ -2668,7 +2668,7 @@
           <a:p>
             <a:fld id="{07BC13A4-EA46-4AD9-B4DE-096D2F49D654}" type="datetimeFigureOut">
               <a:rPr lang="fr-FR" smtClean="0"/>
-              <a:t>18/06/2023</a:t>
+              <a:t>21/06/2023</a:t>
             </a:fld>
             <a:endParaRPr lang="fr-FR"/>
           </a:p>
@@ -2909,7 +2909,7 @@
           <a:p>
             <a:fld id="{07BC13A4-EA46-4AD9-B4DE-096D2F49D654}" type="datetimeFigureOut">
               <a:rPr lang="fr-FR" smtClean="0"/>
-              <a:t>18/06/2023</a:t>
+              <a:t>21/06/2023</a:t>
             </a:fld>
             <a:endParaRPr lang="fr-FR"/>
           </a:p>

--- a/Rapport_PI.pptx
+++ b/Rapport_PI.pptx
@@ -616,7 +616,7 @@
           <a:noFill/>
           <a:extLst>
             <a:ext uri="{909E8E84-426E-40dd-AFC4-6F175D3DCCD1}">
-              <a14:hiddenFill xmlns:a14="http://schemas.microsoft.com/office/drawing/2010/main" xmlns="">
+              <a14:hiddenFill xmlns="" xmlns:a14="http://schemas.microsoft.com/office/drawing/2010/main">
                 <a:solidFill>
                   <a:srgbClr val="FFFFFF"/>
                 </a:solidFill>
@@ -676,7 +676,7 @@
             </a:ln>
             <a:extLst>
               <a:ext uri="{91240B29-F687-4f45-9708-019B960494DF}">
-                <a14:hiddenLine xmlns:a14="http://schemas.microsoft.com/office/drawing/2010/main" xmlns="" w="9525">
+                <a14:hiddenLine xmlns="" xmlns:a14="http://schemas.microsoft.com/office/drawing/2010/main" w="9525">
                   <a:solidFill>
                     <a:srgbClr val="000000"/>
                   </a:solidFill>
@@ -766,7 +766,7 @@
             </a:ln>
             <a:extLst>
               <a:ext uri="{91240B29-F687-4f45-9708-019B960494DF}">
-                <a14:hiddenLine xmlns:a14="http://schemas.microsoft.com/office/drawing/2010/main" xmlns="" w="9525">
+                <a14:hiddenLine xmlns="" xmlns:a14="http://schemas.microsoft.com/office/drawing/2010/main" w="9525">
                   <a:solidFill>
                     <a:srgbClr val="000000"/>
                   </a:solidFill>
@@ -856,7 +856,7 @@
             </a:ln>
             <a:extLst>
               <a:ext uri="{91240B29-F687-4f45-9708-019B960494DF}">
-                <a14:hiddenLine xmlns:a14="http://schemas.microsoft.com/office/drawing/2010/main" xmlns="" w="9525">
+                <a14:hiddenLine xmlns="" xmlns:a14="http://schemas.microsoft.com/office/drawing/2010/main" w="9525">
                   <a:solidFill>
                     <a:srgbClr val="000000"/>
                   </a:solidFill>
@@ -890,7 +890,7 @@
             </a:ln>
             <a:extLst>
               <a:ext uri="{91240B29-F687-4f45-9708-019B960494DF}">
-                <a14:hiddenLine xmlns:a14="http://schemas.microsoft.com/office/drawing/2010/main" xmlns="" w="9525">
+                <a14:hiddenLine xmlns="" xmlns:a14="http://schemas.microsoft.com/office/drawing/2010/main" w="9525">
                   <a:solidFill>
                     <a:srgbClr val="000000"/>
                   </a:solidFill>
@@ -980,7 +980,7 @@
             </a:ln>
             <a:extLst>
               <a:ext uri="{91240B29-F687-4f45-9708-019B960494DF}">
-                <a14:hiddenLine xmlns:a14="http://schemas.microsoft.com/office/drawing/2010/main" xmlns="" w="9525">
+                <a14:hiddenLine xmlns="" xmlns:a14="http://schemas.microsoft.com/office/drawing/2010/main" w="9525">
                   <a:solidFill>
                     <a:srgbClr val="000000"/>
                   </a:solidFill>
@@ -1042,7 +1042,7 @@
             </a:ln>
             <a:extLst>
               <a:ext uri="{91240B29-F687-4f45-9708-019B960494DF}">
-                <a14:hiddenLine xmlns:a14="http://schemas.microsoft.com/office/drawing/2010/main" xmlns="" w="9525">
+                <a14:hiddenLine xmlns="" xmlns:a14="http://schemas.microsoft.com/office/drawing/2010/main" w="9525">
                   <a:solidFill>
                     <a:srgbClr val="000000"/>
                   </a:solidFill>
@@ -1104,7 +1104,7 @@
             </a:ln>
             <a:extLst>
               <a:ext uri="{91240B29-F687-4f45-9708-019B960494DF}">
-                <a14:hiddenLine xmlns:a14="http://schemas.microsoft.com/office/drawing/2010/main" xmlns="" w="9525">
+                <a14:hiddenLine xmlns="" xmlns:a14="http://schemas.microsoft.com/office/drawing/2010/main" w="9525">
                   <a:solidFill>
                     <a:srgbClr val="000000"/>
                   </a:solidFill>
@@ -1194,7 +1194,7 @@
             </a:ln>
             <a:extLst>
               <a:ext uri="{91240B29-F687-4f45-9708-019B960494DF}">
-                <a14:hiddenLine xmlns:a14="http://schemas.microsoft.com/office/drawing/2010/main" xmlns="" w="9525">
+                <a14:hiddenLine xmlns="" xmlns:a14="http://schemas.microsoft.com/office/drawing/2010/main" w="9525">
                   <a:solidFill>
                     <a:srgbClr val="000000"/>
                   </a:solidFill>
@@ -1256,7 +1256,7 @@
             </a:ln>
             <a:extLst>
               <a:ext uri="{91240B29-F687-4f45-9708-019B960494DF}">
-                <a14:hiddenLine xmlns:a14="http://schemas.microsoft.com/office/drawing/2010/main" xmlns="" w="9525">
+                <a14:hiddenLine xmlns="" xmlns:a14="http://schemas.microsoft.com/office/drawing/2010/main" w="9525">
                   <a:solidFill>
                     <a:srgbClr val="000000"/>
                   </a:solidFill>
@@ -1318,7 +1318,7 @@
             </a:ln>
             <a:extLst>
               <a:ext uri="{91240B29-F687-4f45-9708-019B960494DF}">
-                <a14:hiddenLine xmlns:a14="http://schemas.microsoft.com/office/drawing/2010/main" xmlns="" w="9525">
+                <a14:hiddenLine xmlns="" xmlns:a14="http://schemas.microsoft.com/office/drawing/2010/main" w="9525">
                   <a:solidFill>
                     <a:srgbClr val="000000"/>
                   </a:solidFill>
@@ -1408,7 +1408,7 @@
             </a:ln>
             <a:extLst>
               <a:ext uri="{91240B29-F687-4f45-9708-019B960494DF}">
-                <a14:hiddenLine xmlns:a14="http://schemas.microsoft.com/office/drawing/2010/main" xmlns="" w="9525">
+                <a14:hiddenLine xmlns="" xmlns:a14="http://schemas.microsoft.com/office/drawing/2010/main" w="9525">
                   <a:solidFill>
                     <a:srgbClr val="000000"/>
                   </a:solidFill>
@@ -1498,7 +1498,7 @@
             </a:ln>
             <a:extLst>
               <a:ext uri="{91240B29-F687-4f45-9708-019B960494DF}">
-                <a14:hiddenLine xmlns:a14="http://schemas.microsoft.com/office/drawing/2010/main" xmlns="" w="9525">
+                <a14:hiddenLine xmlns="" xmlns:a14="http://schemas.microsoft.com/office/drawing/2010/main" w="9525">
                   <a:solidFill>
                     <a:srgbClr val="000000"/>
                   </a:solidFill>
@@ -1560,7 +1560,7 @@
             </a:ln>
             <a:extLst>
               <a:ext uri="{91240B29-F687-4f45-9708-019B960494DF}">
-                <a14:hiddenLine xmlns:a14="http://schemas.microsoft.com/office/drawing/2010/main" xmlns="" w="9525">
+                <a14:hiddenLine xmlns="" xmlns:a14="http://schemas.microsoft.com/office/drawing/2010/main" w="9525">
                   <a:solidFill>
                     <a:srgbClr val="000000"/>
                   </a:solidFill>
@@ -1670,7 +1670,7 @@
             </a:ln>
             <a:extLst>
               <a:ext uri="{91240B29-F687-4f45-9708-019B960494DF}">
-                <a14:hiddenLine xmlns:a14="http://schemas.microsoft.com/office/drawing/2010/main" xmlns="" w="9525">
+                <a14:hiddenLine xmlns="" xmlns:a14="http://schemas.microsoft.com/office/drawing/2010/main" w="9525">
                   <a:solidFill>
                     <a:srgbClr val="000000"/>
                   </a:solidFill>
@@ -1732,7 +1732,7 @@
             </a:ln>
             <a:extLst>
               <a:ext uri="{91240B29-F687-4f45-9708-019B960494DF}">
-                <a14:hiddenLine xmlns:a14="http://schemas.microsoft.com/office/drawing/2010/main" xmlns="" w="9525">
+                <a14:hiddenLine xmlns="" xmlns:a14="http://schemas.microsoft.com/office/drawing/2010/main" w="9525">
                   <a:solidFill>
                     <a:srgbClr val="000000"/>
                   </a:solidFill>
@@ -1822,7 +1822,7 @@
             </a:ln>
             <a:extLst>
               <a:ext uri="{91240B29-F687-4f45-9708-019B960494DF}">
-                <a14:hiddenLine xmlns:a14="http://schemas.microsoft.com/office/drawing/2010/main" xmlns="" w="9525">
+                <a14:hiddenLine xmlns="" xmlns:a14="http://schemas.microsoft.com/office/drawing/2010/main" w="9525">
                   <a:solidFill>
                     <a:srgbClr val="000000"/>
                   </a:solidFill>
@@ -1912,7 +1912,7 @@
             </a:ln>
             <a:extLst>
               <a:ext uri="{91240B29-F687-4f45-9708-019B960494DF}">
-                <a14:hiddenLine xmlns:a14="http://schemas.microsoft.com/office/drawing/2010/main" xmlns="" w="9525">
+                <a14:hiddenLine xmlns="" xmlns:a14="http://schemas.microsoft.com/office/drawing/2010/main" w="9525">
                   <a:solidFill>
                     <a:srgbClr val="000000"/>
                   </a:solidFill>
@@ -1974,7 +1974,7 @@
             </a:ln>
             <a:extLst>
               <a:ext uri="{91240B29-F687-4f45-9708-019B960494DF}">
-                <a14:hiddenLine xmlns:a14="http://schemas.microsoft.com/office/drawing/2010/main" xmlns="" w="9525">
+                <a14:hiddenLine xmlns="" xmlns:a14="http://schemas.microsoft.com/office/drawing/2010/main" w="9525">
                   <a:solidFill>
                     <a:srgbClr val="000000"/>
                   </a:solidFill>
@@ -2064,7 +2064,7 @@
             </a:ln>
             <a:extLst>
               <a:ext uri="{91240B29-F687-4f45-9708-019B960494DF}">
-                <a14:hiddenLine xmlns:a14="http://schemas.microsoft.com/office/drawing/2010/main" xmlns="" w="9525">
+                <a14:hiddenLine xmlns="" xmlns:a14="http://schemas.microsoft.com/office/drawing/2010/main" w="9525">
                   <a:solidFill>
                     <a:srgbClr val="000000"/>
                   </a:solidFill>
@@ -2154,7 +2154,7 @@
             </a:ln>
             <a:extLst>
               <a:ext uri="{91240B29-F687-4f45-9708-019B960494DF}">
-                <a14:hiddenLine xmlns:a14="http://schemas.microsoft.com/office/drawing/2010/main" xmlns="" w="9525">
+                <a14:hiddenLine xmlns="" xmlns:a14="http://schemas.microsoft.com/office/drawing/2010/main" w="9525">
                   <a:solidFill>
                     <a:srgbClr val="000000"/>
                   </a:solidFill>
@@ -2210,7 +2210,7 @@
             </a:ln>
             <a:extLst>
               <a:ext uri="{91240B29-F687-4f45-9708-019B960494DF}">
-                <a14:hiddenLine xmlns:a14="http://schemas.microsoft.com/office/drawing/2010/main" xmlns="" w="9525">
+                <a14:hiddenLine xmlns="" xmlns:a14="http://schemas.microsoft.com/office/drawing/2010/main" w="9525">
                   <a:solidFill>
                     <a:srgbClr val="000000"/>
                   </a:solidFill>
@@ -2300,7 +2300,7 @@
             </a:ln>
             <a:extLst>
               <a:ext uri="{91240B29-F687-4f45-9708-019B960494DF}">
-                <a14:hiddenLine xmlns:a14="http://schemas.microsoft.com/office/drawing/2010/main" xmlns="" w="9525">
+                <a14:hiddenLine xmlns="" xmlns:a14="http://schemas.microsoft.com/office/drawing/2010/main" w="9525">
                   <a:solidFill>
                     <a:srgbClr val="000000"/>
                   </a:solidFill>
@@ -2356,7 +2356,7 @@
             </a:ln>
             <a:extLst>
               <a:ext uri="{91240B29-F687-4f45-9708-019B960494DF}">
-                <a14:hiddenLine xmlns:a14="http://schemas.microsoft.com/office/drawing/2010/main" xmlns="" w="9525">
+                <a14:hiddenLine xmlns="" xmlns:a14="http://schemas.microsoft.com/office/drawing/2010/main" w="9525">
                   <a:solidFill>
                     <a:srgbClr val="000000"/>
                   </a:solidFill>
@@ -2446,7 +2446,7 @@
             </a:ln>
             <a:extLst>
               <a:ext uri="{91240B29-F687-4f45-9708-019B960494DF}">
-                <a14:hiddenLine xmlns:a14="http://schemas.microsoft.com/office/drawing/2010/main" xmlns="" w="9525">
+                <a14:hiddenLine xmlns="" xmlns:a14="http://schemas.microsoft.com/office/drawing/2010/main" w="9525">
                   <a:solidFill>
                     <a:srgbClr val="000000"/>
                   </a:solidFill>
@@ -2514,7 +2514,7 @@
             </a:ln>
             <a:extLst>
               <a:ext uri="{91240B29-F687-4f45-9708-019B960494DF}">
-                <a14:hiddenLine xmlns:a14="http://schemas.microsoft.com/office/drawing/2010/main" xmlns="" w="9525">
+                <a14:hiddenLine xmlns="" xmlns:a14="http://schemas.microsoft.com/office/drawing/2010/main" w="9525">
                   <a:solidFill>
                     <a:srgbClr val="000000"/>
                   </a:solidFill>
@@ -2604,7 +2604,7 @@
             </a:ln>
             <a:extLst>
               <a:ext uri="{91240B29-F687-4f45-9708-019B960494DF}">
-                <a14:hiddenLine xmlns:a14="http://schemas.microsoft.com/office/drawing/2010/main" xmlns="" w="9525">
+                <a14:hiddenLine xmlns="" xmlns:a14="http://schemas.microsoft.com/office/drawing/2010/main" w="9525">
                   <a:solidFill>
                     <a:srgbClr val="000000"/>
                   </a:solidFill>
@@ -2672,7 +2672,7 @@
             </a:ln>
             <a:extLst>
               <a:ext uri="{91240B29-F687-4f45-9708-019B960494DF}">
-                <a14:hiddenLine xmlns:a14="http://schemas.microsoft.com/office/drawing/2010/main" xmlns="" w="9525">
+                <a14:hiddenLine xmlns="" xmlns:a14="http://schemas.microsoft.com/office/drawing/2010/main" w="9525">
                   <a:solidFill>
                     <a:srgbClr val="000000"/>
                   </a:solidFill>
@@ -2762,7 +2762,7 @@
             </a:ln>
             <a:extLst>
               <a:ext uri="{91240B29-F687-4f45-9708-019B960494DF}">
-                <a14:hiddenLine xmlns:a14="http://schemas.microsoft.com/office/drawing/2010/main" xmlns="" w="9525">
+                <a14:hiddenLine xmlns="" xmlns:a14="http://schemas.microsoft.com/office/drawing/2010/main" w="9525">
                   <a:solidFill>
                     <a:srgbClr val="000000"/>
                   </a:solidFill>
@@ -2796,7 +2796,7 @@
             </a:ln>
             <a:extLst>
               <a:ext uri="{91240B29-F687-4f45-9708-019B960494DF}">
-                <a14:hiddenLine xmlns:a14="http://schemas.microsoft.com/office/drawing/2010/main" xmlns="" w="9525">
+                <a14:hiddenLine xmlns="" xmlns:a14="http://schemas.microsoft.com/office/drawing/2010/main" w="9525">
                   <a:solidFill>
                     <a:srgbClr val="000000"/>
                   </a:solidFill>
@@ -2886,7 +2886,7 @@
             </a:ln>
             <a:extLst>
               <a:ext uri="{91240B29-F687-4f45-9708-019B960494DF}">
-                <a14:hiddenLine xmlns:a14="http://schemas.microsoft.com/office/drawing/2010/main" xmlns="" w="9525">
+                <a14:hiddenLine xmlns="" xmlns:a14="http://schemas.microsoft.com/office/drawing/2010/main" w="9525">
                   <a:solidFill>
                     <a:srgbClr val="000000"/>
                   </a:solidFill>
@@ -2948,7 +2948,7 @@
             </a:ln>
             <a:extLst>
               <a:ext uri="{91240B29-F687-4f45-9708-019B960494DF}">
-                <a14:hiddenLine xmlns:a14="http://schemas.microsoft.com/office/drawing/2010/main" xmlns="" w="9525">
+                <a14:hiddenLine xmlns="" xmlns:a14="http://schemas.microsoft.com/office/drawing/2010/main" w="9525">
                   <a:solidFill>
                     <a:srgbClr val="000000"/>
                   </a:solidFill>
@@ -3010,7 +3010,7 @@
             </a:ln>
             <a:extLst>
               <a:ext uri="{91240B29-F687-4f45-9708-019B960494DF}">
-                <a14:hiddenLine xmlns:a14="http://schemas.microsoft.com/office/drawing/2010/main" xmlns="" w="9525">
+                <a14:hiddenLine xmlns="" xmlns:a14="http://schemas.microsoft.com/office/drawing/2010/main" w="9525">
                   <a:solidFill>
                     <a:srgbClr val="000000"/>
                   </a:solidFill>
@@ -3100,7 +3100,7 @@
             </a:ln>
             <a:extLst>
               <a:ext uri="{91240B29-F687-4f45-9708-019B960494DF}">
-                <a14:hiddenLine xmlns:a14="http://schemas.microsoft.com/office/drawing/2010/main" xmlns="" w="9525">
+                <a14:hiddenLine xmlns="" xmlns:a14="http://schemas.microsoft.com/office/drawing/2010/main" w="9525">
                   <a:solidFill>
                     <a:srgbClr val="000000"/>
                   </a:solidFill>
@@ -3168,7 +3168,7 @@
             </a:ln>
             <a:extLst>
               <a:ext uri="{91240B29-F687-4f45-9708-019B960494DF}">
-                <a14:hiddenLine xmlns:a14="http://schemas.microsoft.com/office/drawing/2010/main" xmlns="" w="9525">
+                <a14:hiddenLine xmlns="" xmlns:a14="http://schemas.microsoft.com/office/drawing/2010/main" w="9525">
                   <a:solidFill>
                     <a:srgbClr val="000000"/>
                   </a:solidFill>
@@ -3230,7 +3230,7 @@
             </a:ln>
             <a:extLst>
               <a:ext uri="{91240B29-F687-4f45-9708-019B960494DF}">
-                <a14:hiddenLine xmlns:a14="http://schemas.microsoft.com/office/drawing/2010/main" xmlns="" w="9525">
+                <a14:hiddenLine xmlns="" xmlns:a14="http://schemas.microsoft.com/office/drawing/2010/main" w="9525">
                   <a:solidFill>
                     <a:srgbClr val="000000"/>
                   </a:solidFill>
@@ -3320,7 +3320,7 @@
             </a:ln>
             <a:extLst>
               <a:ext uri="{91240B29-F687-4f45-9708-019B960494DF}">
-                <a14:hiddenLine xmlns:a14="http://schemas.microsoft.com/office/drawing/2010/main" xmlns="" w="9525">
+                <a14:hiddenLine xmlns="" xmlns:a14="http://schemas.microsoft.com/office/drawing/2010/main" w="9525">
                   <a:solidFill>
                     <a:srgbClr val="000000"/>
                   </a:solidFill>
@@ -3382,7 +3382,7 @@
             </a:ln>
             <a:extLst>
               <a:ext uri="{91240B29-F687-4f45-9708-019B960494DF}">
-                <a14:hiddenLine xmlns:a14="http://schemas.microsoft.com/office/drawing/2010/main" xmlns="" w="9525">
+                <a14:hiddenLine xmlns="" xmlns:a14="http://schemas.microsoft.com/office/drawing/2010/main" w="9525">
                   <a:solidFill>
                     <a:srgbClr val="000000"/>
                   </a:solidFill>
@@ -3472,7 +3472,7 @@
             </a:ln>
             <a:extLst>
               <a:ext uri="{91240B29-F687-4f45-9708-019B960494DF}">
-                <a14:hiddenLine xmlns:a14="http://schemas.microsoft.com/office/drawing/2010/main" xmlns="" w="9525">
+                <a14:hiddenLine xmlns="" xmlns:a14="http://schemas.microsoft.com/office/drawing/2010/main" w="9525">
                   <a:solidFill>
                     <a:srgbClr val="000000"/>
                   </a:solidFill>
@@ -3534,7 +3534,7 @@
             </a:ln>
             <a:extLst>
               <a:ext uri="{91240B29-F687-4f45-9708-019B960494DF}">
-                <a14:hiddenLine xmlns:a14="http://schemas.microsoft.com/office/drawing/2010/main" xmlns="" w="9525">
+                <a14:hiddenLine xmlns="" xmlns:a14="http://schemas.microsoft.com/office/drawing/2010/main" w="9525">
                   <a:solidFill>
                     <a:srgbClr val="000000"/>
                   </a:solidFill>
@@ -3624,7 +3624,7 @@
             </a:ln>
             <a:extLst>
               <a:ext uri="{91240B29-F687-4f45-9708-019B960494DF}">
-                <a14:hiddenLine xmlns:a14="http://schemas.microsoft.com/office/drawing/2010/main" xmlns="" w="9525">
+                <a14:hiddenLine xmlns="" xmlns:a14="http://schemas.microsoft.com/office/drawing/2010/main" w="9525">
                   <a:solidFill>
                     <a:srgbClr val="000000"/>
                   </a:solidFill>
@@ -3658,7 +3658,7 @@
             </a:ln>
             <a:extLst>
               <a:ext uri="{91240B29-F687-4f45-9708-019B960494DF}">
-                <a14:hiddenLine xmlns:a14="http://schemas.microsoft.com/office/drawing/2010/main" xmlns="" w="9525">
+                <a14:hiddenLine xmlns="" xmlns:a14="http://schemas.microsoft.com/office/drawing/2010/main" w="9525">
                   <a:solidFill>
                     <a:srgbClr val="000000"/>
                   </a:solidFill>
@@ -3723,7 +3723,7 @@
             </a:ln>
             <a:extLst>
               <a:ext uri="{91240B29-F687-4f45-9708-019B960494DF}">
-                <a14:hiddenLine xmlns:a14="http://schemas.microsoft.com/office/drawing/2010/main" xmlns="" w="9525">
+                <a14:hiddenLine xmlns="" xmlns:a14="http://schemas.microsoft.com/office/drawing/2010/main" w="9525">
                   <a:solidFill>
                     <a:srgbClr val="000000"/>
                   </a:solidFill>
@@ -3813,7 +3813,7 @@
             </a:ln>
             <a:extLst>
               <a:ext uri="{91240B29-F687-4f45-9708-019B960494DF}">
-                <a14:hiddenLine xmlns:a14="http://schemas.microsoft.com/office/drawing/2010/main" xmlns="" w="9525">
+                <a14:hiddenLine xmlns="" xmlns:a14="http://schemas.microsoft.com/office/drawing/2010/main" w="9525">
                   <a:solidFill>
                     <a:srgbClr val="000000"/>
                   </a:solidFill>
@@ -3875,7 +3875,7 @@
             </a:ln>
             <a:extLst>
               <a:ext uri="{91240B29-F687-4f45-9708-019B960494DF}">
-                <a14:hiddenLine xmlns:a14="http://schemas.microsoft.com/office/drawing/2010/main" xmlns="" w="9525">
+                <a14:hiddenLine xmlns="" xmlns:a14="http://schemas.microsoft.com/office/drawing/2010/main" w="9525">
                   <a:solidFill>
                     <a:srgbClr val="000000"/>
                   </a:solidFill>
@@ -3965,7 +3965,7 @@
             </a:ln>
             <a:extLst>
               <a:ext uri="{91240B29-F687-4f45-9708-019B960494DF}">
-                <a14:hiddenLine xmlns:a14="http://schemas.microsoft.com/office/drawing/2010/main" xmlns="" w="9525">
+                <a14:hiddenLine xmlns="" xmlns:a14="http://schemas.microsoft.com/office/drawing/2010/main" w="9525">
                   <a:solidFill>
                     <a:srgbClr val="000000"/>
                   </a:solidFill>
@@ -4055,7 +4055,7 @@
             </a:ln>
             <a:extLst>
               <a:ext uri="{91240B29-F687-4f45-9708-019B960494DF}">
-                <a14:hiddenLine xmlns:a14="http://schemas.microsoft.com/office/drawing/2010/main" xmlns="" w="9525">
+                <a14:hiddenLine xmlns="" xmlns:a14="http://schemas.microsoft.com/office/drawing/2010/main" w="9525">
                   <a:solidFill>
                     <a:srgbClr val="000000"/>
                   </a:solidFill>
@@ -4120,7 +4120,7 @@
             </a:ln>
             <a:extLst>
               <a:ext uri="{91240B29-F687-4f45-9708-019B960494DF}">
-                <a14:hiddenLine xmlns:a14="http://schemas.microsoft.com/office/drawing/2010/main" xmlns="" w="9525">
+                <a14:hiddenLine xmlns="" xmlns:a14="http://schemas.microsoft.com/office/drawing/2010/main" w="9525">
                   <a:solidFill>
                     <a:srgbClr val="000000"/>
                   </a:solidFill>
@@ -4182,7 +4182,7 @@
             </a:ln>
             <a:extLst>
               <a:ext uri="{91240B29-F687-4f45-9708-019B960494DF}">
-                <a14:hiddenLine xmlns:a14="http://schemas.microsoft.com/office/drawing/2010/main" xmlns="" w="9525">
+                <a14:hiddenLine xmlns="" xmlns:a14="http://schemas.microsoft.com/office/drawing/2010/main" w="9525">
                   <a:solidFill>
                     <a:srgbClr val="000000"/>
                   </a:solidFill>
@@ -4272,7 +4272,7 @@
             </a:ln>
             <a:extLst>
               <a:ext uri="{91240B29-F687-4f45-9708-019B960494DF}">
-                <a14:hiddenLine xmlns:a14="http://schemas.microsoft.com/office/drawing/2010/main" xmlns="" w="9525">
+                <a14:hiddenLine xmlns="" xmlns:a14="http://schemas.microsoft.com/office/drawing/2010/main" w="9525">
                   <a:solidFill>
                     <a:srgbClr val="000000"/>
                   </a:solidFill>
@@ -4362,7 +4362,7 @@
             </a:ln>
             <a:extLst>
               <a:ext uri="{91240B29-F687-4f45-9708-019B960494DF}">
-                <a14:hiddenLine xmlns:a14="http://schemas.microsoft.com/office/drawing/2010/main" xmlns="" w="9525">
+                <a14:hiddenLine xmlns="" xmlns:a14="http://schemas.microsoft.com/office/drawing/2010/main" w="9525">
                   <a:solidFill>
                     <a:srgbClr val="000000"/>
                   </a:solidFill>
@@ -4424,7 +4424,7 @@
             </a:ln>
             <a:extLst>
               <a:ext uri="{91240B29-F687-4f45-9708-019B960494DF}">
-                <a14:hiddenLine xmlns:a14="http://schemas.microsoft.com/office/drawing/2010/main" xmlns="" w="9525">
+                <a14:hiddenLine xmlns="" xmlns:a14="http://schemas.microsoft.com/office/drawing/2010/main" w="9525">
                   <a:solidFill>
                     <a:srgbClr val="000000"/>
                   </a:solidFill>
@@ -4544,7 +4544,7 @@
             </a:ln>
             <a:extLst>
               <a:ext uri="{91240B29-F687-4f45-9708-019B960494DF}">
-                <a14:hiddenLine xmlns:a14="http://schemas.microsoft.com/office/drawing/2010/main" xmlns="" w="9525">
+                <a14:hiddenLine xmlns="" xmlns:a14="http://schemas.microsoft.com/office/drawing/2010/main" w="9525">
                   <a:solidFill>
                     <a:srgbClr val="000000"/>
                   </a:solidFill>
@@ -4612,7 +4612,7 @@
             </a:ln>
             <a:extLst>
               <a:ext uri="{91240B29-F687-4f45-9708-019B960494DF}">
-                <a14:hiddenLine xmlns:a14="http://schemas.microsoft.com/office/drawing/2010/main" xmlns="" w="9525">
+                <a14:hiddenLine xmlns="" xmlns:a14="http://schemas.microsoft.com/office/drawing/2010/main" w="9525">
                   <a:solidFill>
                     <a:srgbClr val="000000"/>
                   </a:solidFill>
@@ -4702,7 +4702,7 @@
             </a:ln>
             <a:extLst>
               <a:ext uri="{91240B29-F687-4f45-9708-019B960494DF}">
-                <a14:hiddenLine xmlns:a14="http://schemas.microsoft.com/office/drawing/2010/main" xmlns="" w="9525">
+                <a14:hiddenLine xmlns="" xmlns:a14="http://schemas.microsoft.com/office/drawing/2010/main" w="9525">
                   <a:solidFill>
                     <a:srgbClr val="000000"/>
                   </a:solidFill>
@@ -9509,7 +9509,7 @@
           <a:noFill/>
           <a:extLst>
             <a:ext uri="{909E8E84-426E-40dd-AFC4-6F175D3DCCD1}">
-              <a14:hiddenFill xmlns:a14="http://schemas.microsoft.com/office/drawing/2010/main" xmlns="">
+              <a14:hiddenFill xmlns="" xmlns:a14="http://schemas.microsoft.com/office/drawing/2010/main">
                 <a:solidFill>
                   <a:srgbClr val="FFFFFF"/>
                 </a:solidFill>
@@ -9583,7 +9583,7 @@
               </a:ln>
               <a:extLst>
                 <a:ext uri="{91240B29-F687-4f45-9708-019B960494DF}">
-                  <a14:hiddenLine xmlns:a14="http://schemas.microsoft.com/office/drawing/2010/main" xmlns="" w="9525">
+                  <a14:hiddenLine xmlns="" xmlns:a14="http://schemas.microsoft.com/office/drawing/2010/main" w="9525">
                     <a:solidFill>
                       <a:srgbClr val="000000"/>
                     </a:solidFill>
@@ -9673,7 +9673,7 @@
               </a:ln>
               <a:extLst>
                 <a:ext uri="{91240B29-F687-4f45-9708-019B960494DF}">
-                  <a14:hiddenLine xmlns:a14="http://schemas.microsoft.com/office/drawing/2010/main" xmlns="" w="9525">
+                  <a14:hiddenLine xmlns="" xmlns:a14="http://schemas.microsoft.com/office/drawing/2010/main" w="9525">
                     <a:solidFill>
                       <a:srgbClr val="000000"/>
                     </a:solidFill>
@@ -9763,7 +9763,7 @@
               </a:ln>
               <a:extLst>
                 <a:ext uri="{91240B29-F687-4f45-9708-019B960494DF}">
-                  <a14:hiddenLine xmlns:a14="http://schemas.microsoft.com/office/drawing/2010/main" xmlns="" w="9525">
+                  <a14:hiddenLine xmlns="" xmlns:a14="http://schemas.microsoft.com/office/drawing/2010/main" w="9525">
                     <a:solidFill>
                       <a:srgbClr val="000000"/>
                     </a:solidFill>
@@ -9825,7 +9825,7 @@
               </a:ln>
               <a:extLst>
                 <a:ext uri="{91240B29-F687-4f45-9708-019B960494DF}">
-                  <a14:hiddenLine xmlns:a14="http://schemas.microsoft.com/office/drawing/2010/main" xmlns="" w="9525">
+                  <a14:hiddenLine xmlns="" xmlns:a14="http://schemas.microsoft.com/office/drawing/2010/main" w="9525">
                     <a:solidFill>
                       <a:srgbClr val="000000"/>
                     </a:solidFill>
@@ -9915,7 +9915,7 @@
               </a:ln>
               <a:extLst>
                 <a:ext uri="{91240B29-F687-4f45-9708-019B960494DF}">
-                  <a14:hiddenLine xmlns:a14="http://schemas.microsoft.com/office/drawing/2010/main" xmlns="" w="9525">
+                  <a14:hiddenLine xmlns="" xmlns:a14="http://schemas.microsoft.com/office/drawing/2010/main" w="9525">
                     <a:solidFill>
                       <a:srgbClr val="000000"/>
                     </a:solidFill>
@@ -9977,7 +9977,7 @@
               </a:ln>
               <a:extLst>
                 <a:ext uri="{91240B29-F687-4f45-9708-019B960494DF}">
-                  <a14:hiddenLine xmlns:a14="http://schemas.microsoft.com/office/drawing/2010/main" xmlns="" w="9525">
+                  <a14:hiddenLine xmlns="" xmlns:a14="http://schemas.microsoft.com/office/drawing/2010/main" w="9525">
                     <a:solidFill>
                       <a:srgbClr val="000000"/>
                     </a:solidFill>
@@ -10039,7 +10039,7 @@
               </a:ln>
               <a:extLst>
                 <a:ext uri="{91240B29-F687-4f45-9708-019B960494DF}">
-                  <a14:hiddenLine xmlns:a14="http://schemas.microsoft.com/office/drawing/2010/main" xmlns="" w="9525">
+                  <a14:hiddenLine xmlns="" xmlns:a14="http://schemas.microsoft.com/office/drawing/2010/main" w="9525">
                     <a:solidFill>
                       <a:srgbClr val="000000"/>
                     </a:solidFill>
@@ -10129,7 +10129,7 @@
               </a:ln>
               <a:extLst>
                 <a:ext uri="{91240B29-F687-4f45-9708-019B960494DF}">
-                  <a14:hiddenLine xmlns:a14="http://schemas.microsoft.com/office/drawing/2010/main" xmlns="" w="9525">
+                  <a14:hiddenLine xmlns="" xmlns:a14="http://schemas.microsoft.com/office/drawing/2010/main" w="9525">
                     <a:solidFill>
                       <a:srgbClr val="000000"/>
                     </a:solidFill>
@@ -10219,7 +10219,7 @@
               </a:ln>
               <a:extLst>
                 <a:ext uri="{91240B29-F687-4f45-9708-019B960494DF}">
-                  <a14:hiddenLine xmlns:a14="http://schemas.microsoft.com/office/drawing/2010/main" xmlns="" w="9525">
+                  <a14:hiddenLine xmlns="" xmlns:a14="http://schemas.microsoft.com/office/drawing/2010/main" w="9525">
                     <a:solidFill>
                       <a:srgbClr val="000000"/>
                     </a:solidFill>
@@ -10281,7 +10281,7 @@
               </a:ln>
               <a:extLst>
                 <a:ext uri="{91240B29-F687-4f45-9708-019B960494DF}">
-                  <a14:hiddenLine xmlns:a14="http://schemas.microsoft.com/office/drawing/2010/main" xmlns="" w="9525">
+                  <a14:hiddenLine xmlns="" xmlns:a14="http://schemas.microsoft.com/office/drawing/2010/main" w="9525">
                     <a:solidFill>
                       <a:srgbClr val="000000"/>
                     </a:solidFill>
@@ -10391,7 +10391,7 @@
               </a:ln>
               <a:extLst>
                 <a:ext uri="{91240B29-F687-4f45-9708-019B960494DF}">
-                  <a14:hiddenLine xmlns:a14="http://schemas.microsoft.com/office/drawing/2010/main" xmlns="" w="9525">
+                  <a14:hiddenLine xmlns="" xmlns:a14="http://schemas.microsoft.com/office/drawing/2010/main" w="9525">
                     <a:solidFill>
                       <a:srgbClr val="000000"/>
                     </a:solidFill>
@@ -10475,7 +10475,7 @@
               </a:ln>
               <a:extLst>
                 <a:ext uri="{91240B29-F687-4f45-9708-019B960494DF}">
-                  <a14:hiddenLine xmlns:a14="http://schemas.microsoft.com/office/drawing/2010/main" xmlns="" w="9525">
+                  <a14:hiddenLine xmlns="" xmlns:a14="http://schemas.microsoft.com/office/drawing/2010/main" w="9525">
                     <a:solidFill>
                       <a:srgbClr val="000000"/>
                     </a:solidFill>
@@ -10537,7 +10537,7 @@
               </a:ln>
               <a:extLst>
                 <a:ext uri="{91240B29-F687-4f45-9708-019B960494DF}">
-                  <a14:hiddenLine xmlns:a14="http://schemas.microsoft.com/office/drawing/2010/main" xmlns="" w="9525">
+                  <a14:hiddenLine xmlns="" xmlns:a14="http://schemas.microsoft.com/office/drawing/2010/main" w="9525">
                     <a:solidFill>
                       <a:srgbClr val="000000"/>
                     </a:solidFill>
@@ -10599,7 +10599,7 @@
               </a:ln>
               <a:extLst>
                 <a:ext uri="{91240B29-F687-4f45-9708-019B960494DF}">
-                  <a14:hiddenLine xmlns:a14="http://schemas.microsoft.com/office/drawing/2010/main" xmlns="" w="9525">
+                  <a14:hiddenLine xmlns="" xmlns:a14="http://schemas.microsoft.com/office/drawing/2010/main" w="9525">
                     <a:solidFill>
                       <a:srgbClr val="000000"/>
                     </a:solidFill>
@@ -10689,7 +10689,7 @@
               </a:ln>
               <a:extLst>
                 <a:ext uri="{91240B29-F687-4f45-9708-019B960494DF}">
-                  <a14:hiddenLine xmlns:a14="http://schemas.microsoft.com/office/drawing/2010/main" xmlns="" w="9525">
+                  <a14:hiddenLine xmlns="" xmlns:a14="http://schemas.microsoft.com/office/drawing/2010/main" w="9525">
                     <a:solidFill>
                       <a:srgbClr val="000000"/>
                     </a:solidFill>
@@ -10723,7 +10723,7 @@
               </a:ln>
               <a:extLst>
                 <a:ext uri="{91240B29-F687-4f45-9708-019B960494DF}">
-                  <a14:hiddenLine xmlns:a14="http://schemas.microsoft.com/office/drawing/2010/main" xmlns="" w="9525">
+                  <a14:hiddenLine xmlns="" xmlns:a14="http://schemas.microsoft.com/office/drawing/2010/main" w="9525">
                     <a:solidFill>
                       <a:srgbClr val="000000"/>
                     </a:solidFill>
@@ -10788,7 +10788,7 @@
               </a:ln>
               <a:extLst>
                 <a:ext uri="{91240B29-F687-4f45-9708-019B960494DF}">
-                  <a14:hiddenLine xmlns:a14="http://schemas.microsoft.com/office/drawing/2010/main" xmlns="" w="9525">
+                  <a14:hiddenLine xmlns="" xmlns:a14="http://schemas.microsoft.com/office/drawing/2010/main" w="9525">
                     <a:solidFill>
                       <a:srgbClr val="000000"/>
                     </a:solidFill>
@@ -10878,7 +10878,7 @@
               </a:ln>
               <a:extLst>
                 <a:ext uri="{91240B29-F687-4f45-9708-019B960494DF}">
-                  <a14:hiddenLine xmlns:a14="http://schemas.microsoft.com/office/drawing/2010/main" xmlns="" w="9525">
+                  <a14:hiddenLine xmlns="" xmlns:a14="http://schemas.microsoft.com/office/drawing/2010/main" w="9525">
                     <a:solidFill>
                       <a:srgbClr val="000000"/>
                     </a:solidFill>
@@ -10940,7 +10940,7 @@
               </a:ln>
               <a:extLst>
                 <a:ext uri="{91240B29-F687-4f45-9708-019B960494DF}">
-                  <a14:hiddenLine xmlns:a14="http://schemas.microsoft.com/office/drawing/2010/main" xmlns="" w="9525">
+                  <a14:hiddenLine xmlns="" xmlns:a14="http://schemas.microsoft.com/office/drawing/2010/main" w="9525">
                     <a:solidFill>
                       <a:srgbClr val="000000"/>
                     </a:solidFill>
@@ -11030,7 +11030,7 @@
               </a:ln>
               <a:extLst>
                 <a:ext uri="{91240B29-F687-4f45-9708-019B960494DF}">
-                  <a14:hiddenLine xmlns:a14="http://schemas.microsoft.com/office/drawing/2010/main" xmlns="" w="9525">
+                  <a14:hiddenLine xmlns="" xmlns:a14="http://schemas.microsoft.com/office/drawing/2010/main" w="9525">
                     <a:solidFill>
                       <a:srgbClr val="000000"/>
                     </a:solidFill>
@@ -11095,7 +11095,7 @@
               </a:ln>
               <a:extLst>
                 <a:ext uri="{91240B29-F687-4f45-9708-019B960494DF}">
-                  <a14:hiddenLine xmlns:a14="http://schemas.microsoft.com/office/drawing/2010/main" xmlns="" w="9525">
+                  <a14:hiddenLine xmlns="" xmlns:a14="http://schemas.microsoft.com/office/drawing/2010/main" w="9525">
                     <a:solidFill>
                       <a:srgbClr val="000000"/>
                     </a:solidFill>
@@ -11157,7 +11157,7 @@
               </a:ln>
               <a:extLst>
                 <a:ext uri="{91240B29-F687-4f45-9708-019B960494DF}">
-                  <a14:hiddenLine xmlns:a14="http://schemas.microsoft.com/office/drawing/2010/main" xmlns="" w="9525">
+                  <a14:hiddenLine xmlns="" xmlns:a14="http://schemas.microsoft.com/office/drawing/2010/main" w="9525">
                     <a:solidFill>
                       <a:srgbClr val="000000"/>
                     </a:solidFill>
@@ -11247,7 +11247,7 @@
               </a:ln>
               <a:extLst>
                 <a:ext uri="{91240B29-F687-4f45-9708-019B960494DF}">
-                  <a14:hiddenLine xmlns:a14="http://schemas.microsoft.com/office/drawing/2010/main" xmlns="" w="9525">
+                  <a14:hiddenLine xmlns="" xmlns:a14="http://schemas.microsoft.com/office/drawing/2010/main" w="9525">
                     <a:solidFill>
                       <a:srgbClr val="000000"/>
                     </a:solidFill>
@@ -11337,7 +11337,7 @@
               </a:ln>
               <a:extLst>
                 <a:ext uri="{91240B29-F687-4f45-9708-019B960494DF}">
-                  <a14:hiddenLine xmlns:a14="http://schemas.microsoft.com/office/drawing/2010/main" xmlns="" w="9525">
+                  <a14:hiddenLine xmlns="" xmlns:a14="http://schemas.microsoft.com/office/drawing/2010/main" w="9525">
                     <a:solidFill>
                       <a:srgbClr val="000000"/>
                     </a:solidFill>
@@ -11402,7 +11402,7 @@
               </a:ln>
               <a:extLst>
                 <a:ext uri="{91240B29-F687-4f45-9708-019B960494DF}">
-                  <a14:hiddenLine xmlns:a14="http://schemas.microsoft.com/office/drawing/2010/main" xmlns="" w="9525">
+                  <a14:hiddenLine xmlns="" xmlns:a14="http://schemas.microsoft.com/office/drawing/2010/main" w="9525">
                     <a:solidFill>
                       <a:srgbClr val="000000"/>
                     </a:solidFill>
@@ -11522,7 +11522,7 @@
               </a:ln>
               <a:extLst>
                 <a:ext uri="{91240B29-F687-4f45-9708-019B960494DF}">
-                  <a14:hiddenLine xmlns:a14="http://schemas.microsoft.com/office/drawing/2010/main" xmlns="" w="9525">
+                  <a14:hiddenLine xmlns="" xmlns:a14="http://schemas.microsoft.com/office/drawing/2010/main" w="9525">
                     <a:solidFill>
                       <a:srgbClr val="000000"/>
                     </a:solidFill>
@@ -11620,7 +11620,7 @@
               </a:ln>
               <a:extLst>
                 <a:ext uri="{91240B29-F687-4f45-9708-019B960494DF}">
-                  <a14:hiddenLine xmlns:a14="http://schemas.microsoft.com/office/drawing/2010/main" xmlns="" w="9525">
+                  <a14:hiddenLine xmlns="" xmlns:a14="http://schemas.microsoft.com/office/drawing/2010/main" w="9525">
                     <a:solidFill>
                       <a:srgbClr val="000000"/>
                     </a:solidFill>
@@ -11735,7 +11735,7 @@
               </a:ln>
               <a:extLst>
                 <a:ext uri="{91240B29-F687-4f45-9708-019B960494DF}">
-                  <a14:hiddenLine xmlns:a14="http://schemas.microsoft.com/office/drawing/2010/main" xmlns="" w="9525">
+                  <a14:hiddenLine xmlns="" xmlns:a14="http://schemas.microsoft.com/office/drawing/2010/main" w="9525">
                     <a:solidFill>
                       <a:srgbClr val="000000"/>
                     </a:solidFill>
@@ -11825,7 +11825,7 @@
               </a:ln>
               <a:extLst>
                 <a:ext uri="{91240B29-F687-4f45-9708-019B960494DF}">
-                  <a14:hiddenLine xmlns:a14="http://schemas.microsoft.com/office/drawing/2010/main" xmlns="" w="9525">
+                  <a14:hiddenLine xmlns="" xmlns:a14="http://schemas.microsoft.com/office/drawing/2010/main" w="9525">
                     <a:solidFill>
                       <a:srgbClr val="000000"/>
                     </a:solidFill>
@@ -11890,7 +11890,7 @@
               </a:ln>
               <a:extLst>
                 <a:ext uri="{91240B29-F687-4f45-9708-019B960494DF}">
-                  <a14:hiddenLine xmlns:a14="http://schemas.microsoft.com/office/drawing/2010/main" xmlns="" w="9525">
+                  <a14:hiddenLine xmlns="" xmlns:a14="http://schemas.microsoft.com/office/drawing/2010/main" w="9525">
                     <a:solidFill>
                       <a:srgbClr val="000000"/>
                     </a:solidFill>
@@ -11980,7 +11980,7 @@
               </a:ln>
               <a:extLst>
                 <a:ext uri="{91240B29-F687-4f45-9708-019B960494DF}">
-                  <a14:hiddenLine xmlns:a14="http://schemas.microsoft.com/office/drawing/2010/main" xmlns="" w="9525">
+                  <a14:hiddenLine xmlns="" xmlns:a14="http://schemas.microsoft.com/office/drawing/2010/main" w="9525">
                     <a:solidFill>
                       <a:srgbClr val="000000"/>
                     </a:solidFill>
@@ -12048,7 +12048,7 @@
               </a:ln>
               <a:extLst>
                 <a:ext uri="{91240B29-F687-4f45-9708-019B960494DF}">
-                  <a14:hiddenLine xmlns:a14="http://schemas.microsoft.com/office/drawing/2010/main" xmlns="" w="9525">
+                  <a14:hiddenLine xmlns="" xmlns:a14="http://schemas.microsoft.com/office/drawing/2010/main" w="9525">
                     <a:solidFill>
                       <a:srgbClr val="000000"/>
                     </a:solidFill>
@@ -12138,7 +12138,7 @@
               </a:ln>
               <a:extLst>
                 <a:ext uri="{91240B29-F687-4f45-9708-019B960494DF}">
-                  <a14:hiddenLine xmlns:a14="http://schemas.microsoft.com/office/drawing/2010/main" xmlns="" w="9525">
+                  <a14:hiddenLine xmlns="" xmlns:a14="http://schemas.microsoft.com/office/drawing/2010/main" w="9525">
                     <a:solidFill>
                       <a:srgbClr val="000000"/>
                     </a:solidFill>
@@ -12206,7 +12206,7 @@
               </a:ln>
               <a:extLst>
                 <a:ext uri="{91240B29-F687-4f45-9708-019B960494DF}">
-                  <a14:hiddenLine xmlns:a14="http://schemas.microsoft.com/office/drawing/2010/main" xmlns="" w="9525">
+                  <a14:hiddenLine xmlns="" xmlns:a14="http://schemas.microsoft.com/office/drawing/2010/main" w="9525">
                     <a:solidFill>
                       <a:srgbClr val="000000"/>
                     </a:solidFill>
@@ -12296,7 +12296,7 @@
               </a:ln>
               <a:extLst>
                 <a:ext uri="{91240B29-F687-4f45-9708-019B960494DF}">
-                  <a14:hiddenLine xmlns:a14="http://schemas.microsoft.com/office/drawing/2010/main" xmlns="" w="9525">
+                  <a14:hiddenLine xmlns="" xmlns:a14="http://schemas.microsoft.com/office/drawing/2010/main" w="9525">
                     <a:solidFill>
                       <a:srgbClr val="000000"/>
                     </a:solidFill>
@@ -12330,7 +12330,7 @@
               </a:ln>
               <a:extLst>
                 <a:ext uri="{91240B29-F687-4f45-9708-019B960494DF}">
-                  <a14:hiddenLine xmlns:a14="http://schemas.microsoft.com/office/drawing/2010/main" xmlns="" w="9525">
+                  <a14:hiddenLine xmlns="" xmlns:a14="http://schemas.microsoft.com/office/drawing/2010/main" w="9525">
                     <a:solidFill>
                       <a:srgbClr val="000000"/>
                     </a:solidFill>
@@ -13158,39 +13158,6 @@
               </a:solidFill>
               <a:latin typeface="Lucida Handwriting" pitchFamily="66" charset="0"/>
             </a:endParaRPr>
-          </a:p>
-        </p:txBody>
-      </p:sp>
-      <p:sp>
-        <p:nvSpPr>
-          <p:cNvPr id="15" name="ZoneTexte 14"/>
-          <p:cNvSpPr txBox="1"/>
-          <p:nvPr/>
-        </p:nvSpPr>
-        <p:spPr>
-          <a:xfrm>
-            <a:off x="4025583" y="3721197"/>
-            <a:ext cx="3707104" cy="369332"/>
-          </a:xfrm>
-          <a:prstGeom prst="rect">
-            <a:avLst/>
-          </a:prstGeom>
-          <a:noFill/>
-        </p:spPr>
-        <p:txBody>
-          <a:bodyPr wrap="none" rtlCol="0">
-            <a:spAutoFit/>
-          </a:bodyPr>
-          <a:lstStyle/>
-          <a:p>
-            <a:pPr algn="ctr"/>
-            <a:r>
-              <a:rPr lang="fr-FR" dirty="0">
-                <a:latin typeface="Times New Roman" pitchFamily="18" charset="0"/>
-                <a:cs typeface="Times New Roman" pitchFamily="18" charset="0"/>
-              </a:rPr>
-              <a:t>Effectuer du 23/04/2021 à 23/06/2021</a:t>
-            </a:r>
           </a:p>
         </p:txBody>
       </p:sp>
